--- a/_site/translations/en-us/wro/HiTechnicColor.pptx
+++ b/_site/translations/en-us/wro/HiTechnicColor.pptx
@@ -1600,11 +1600,11 @@
           <c:showPercent val="0"/>
           <c:showBubbleSize val="0"/>
         </c:dLbls>
-        <c:axId val="-1414915824"/>
-        <c:axId val="-1416225120"/>
+        <c:axId val="-1415440480"/>
+        <c:axId val="-1415437360"/>
       </c:scatterChart>
       <c:valAx>
-        <c:axId val="-1414915824"/>
+        <c:axId val="-1415440480"/>
         <c:scaling>
           <c:orientation val="minMax"/>
         </c:scaling>
@@ -1716,12 +1716,12 @@
             <a:endParaRPr lang="en-US"/>
           </a:p>
         </c:txPr>
-        <c:crossAx val="-1416225120"/>
+        <c:crossAx val="-1415437360"/>
         <c:crosses val="autoZero"/>
         <c:crossBetween val="midCat"/>
       </c:valAx>
       <c:valAx>
-        <c:axId val="-1416225120"/>
+        <c:axId val="-1415437360"/>
         <c:scaling>
           <c:orientation val="minMax"/>
         </c:scaling>
@@ -1833,7 +1833,7 @@
             <a:endParaRPr lang="en-US"/>
           </a:p>
         </c:txPr>
-        <c:crossAx val="-1414915824"/>
+        <c:crossAx val="-1415440480"/>
         <c:crosses val="autoZero"/>
         <c:crossBetween val="midCat"/>
       </c:valAx>
@@ -2510,7 +2510,7 @@
           <a:p>
             <a:fld id="{E354B44E-40A3-0E46-B16A-9BF1250A248B}" type="datetimeFigureOut">
               <a:rPr lang="en-US" smtClean="0"/>
-              <a:t>2/26/17</a:t>
+              <a:t>3/4/17</a:t>
             </a:fld>
             <a:endParaRPr lang="en-US"/>
           </a:p>
@@ -2676,7 +2676,7 @@
           <a:p>
             <a:fld id="{C86AD16C-2DB4-6642-BAD4-9ED973A087A0}" type="datetimeFigureOut">
               <a:rPr lang="en-US" smtClean="0"/>
-              <a:t>2/26/17</a:t>
+              <a:t>3/4/17</a:t>
             </a:fld>
             <a:endParaRPr lang="en-US"/>
           </a:p>
@@ -3009,6 +3009,90 @@
           <a:p>
             <a:fld id="{1E5BF589-3978-3C45-966B-D7B7A71F2A02}" type="slidenum">
               <a:rPr lang="en-US" smtClean="0"/>
+              <a:t>4</a:t>
+            </a:fld>
+            <a:endParaRPr lang="en-US"/>
+          </a:p>
+        </p:txBody>
+      </p:sp>
+    </p:spTree>
+    <p:extLst>
+      <p:ext uri="{BB962C8B-B14F-4D97-AF65-F5344CB8AC3E}">
+        <p14:creationId xmlns:p14="http://schemas.microsoft.com/office/powerpoint/2010/main" val="505539199"/>
+      </p:ext>
+    </p:extLst>
+  </p:cSld>
+  <p:clrMapOvr>
+    <a:masterClrMapping/>
+  </p:clrMapOvr>
+</p:notes>
+</file>
+
+<file path=ppt/notesSlides/notesSlide2.xml><?xml version="1.0" encoding="utf-8"?>
+<p:notes xmlns:a="http://schemas.openxmlformats.org/drawingml/2006/main" xmlns:r="http://schemas.openxmlformats.org/officeDocument/2006/relationships" xmlns:p="http://schemas.openxmlformats.org/presentationml/2006/main">
+  <p:cSld>
+    <p:spTree>
+      <p:nvGrpSpPr>
+        <p:cNvPr id="1" name=""/>
+        <p:cNvGrpSpPr/>
+        <p:nvPr/>
+      </p:nvGrpSpPr>
+      <p:grpSpPr>
+        <a:xfrm>
+          <a:off x="0" y="0"/>
+          <a:ext cx="0" cy="0"/>
+          <a:chOff x="0" y="0"/>
+          <a:chExt cx="0" cy="0"/>
+        </a:xfrm>
+      </p:grpSpPr>
+      <p:sp>
+        <p:nvSpPr>
+          <p:cNvPr id="2" name="Slide Image Placeholder 1"/>
+          <p:cNvSpPr>
+            <a:spLocks noGrp="1" noRot="1" noChangeAspect="1"/>
+          </p:cNvSpPr>
+          <p:nvPr>
+            <p:ph type="sldImg"/>
+          </p:nvPr>
+        </p:nvSpPr>
+        <p:spPr/>
+      </p:sp>
+      <p:sp>
+        <p:nvSpPr>
+          <p:cNvPr id="3" name="Notes Placeholder 2"/>
+          <p:cNvSpPr>
+            <a:spLocks noGrp="1"/>
+          </p:cNvSpPr>
+          <p:nvPr>
+            <p:ph type="body" idx="1"/>
+          </p:nvPr>
+        </p:nvSpPr>
+        <p:spPr/>
+        <p:txBody>
+          <a:bodyPr/>
+          <a:lstStyle/>
+          <a:p>
+            <a:endParaRPr lang="en-US"/>
+          </a:p>
+        </p:txBody>
+      </p:sp>
+      <p:sp>
+        <p:nvSpPr>
+          <p:cNvPr id="4" name="Slide Number Placeholder 3"/>
+          <p:cNvSpPr>
+            <a:spLocks noGrp="1"/>
+          </p:cNvSpPr>
+          <p:nvPr>
+            <p:ph type="sldNum" sz="quarter" idx="10"/>
+          </p:nvPr>
+        </p:nvSpPr>
+        <p:spPr/>
+        <p:txBody>
+          <a:bodyPr/>
+          <a:lstStyle/>
+          <a:p>
+            <a:fld id="{1E5BF589-3978-3C45-966B-D7B7A71F2A02}" type="slidenum">
+              <a:rPr lang="en-US" smtClean="0"/>
               <a:t>12</a:t>
             </a:fld>
             <a:endParaRPr lang="en-US"/>
@@ -3294,9 +3378,9 @@
           <a:bodyPr/>
           <a:lstStyle/>
           <a:p>
-            <a:fld id="{446B2373-E1A9-434E-866E-1BE0F28BE3CD}" type="datetime1">
+            <a:fld id="{38974E05-101A-C143-BFFD-869FECDCAB6C}" type="datetime1">
               <a:rPr lang="en-US" smtClean="0"/>
-              <a:t>2/26/17</a:t>
+              <a:t>3/4/17</a:t>
             </a:fld>
             <a:endParaRPr lang="en-US"/>
           </a:p>
@@ -3323,9 +3407,10 @@
           <a:lstStyle/>
           <a:p>
             <a:r>
-              <a:rPr lang="en-US"/>
-              <a:t>© 2017 EV3Lessons.com, Last Edit 2/25/2017</a:t>
-            </a:r>
+              <a:rPr lang="sk-SK" smtClean="0"/>
+              <a:t>© 2017 EV3Lessons.com, Last Edit 3/04/2017</a:t>
+            </a:r>
+            <a:endParaRPr lang="en-US"/>
           </a:p>
         </p:txBody>
       </p:sp>
@@ -3560,9 +3645,9 @@
           <a:bodyPr/>
           <a:lstStyle/>
           <a:p>
-            <a:fld id="{7453C044-9F31-4E68-9ABD-8333D25EB6ED}" type="datetime1">
+            <a:fld id="{288661B1-FCD7-5843-9273-30CD475E14FC}" type="datetime1">
               <a:rPr lang="en-US" smtClean="0"/>
-              <a:t>2/26/17</a:t>
+              <a:t>3/4/17</a:t>
             </a:fld>
             <a:endParaRPr lang="en-US"/>
           </a:p>
@@ -3584,9 +3669,10 @@
           <a:lstStyle/>
           <a:p>
             <a:r>
-              <a:rPr lang="en-US"/>
-              <a:t>© 2017 EV3Lessons.com, Last Edit 2/25/2017</a:t>
-            </a:r>
+              <a:rPr lang="sk-SK" smtClean="0"/>
+              <a:t>© 2017 EV3Lessons.com, Last Edit 3/04/2017</a:t>
+            </a:r>
+            <a:endParaRPr lang="en-US"/>
           </a:p>
         </p:txBody>
       </p:sp>
@@ -3743,9 +3829,9 @@
           <a:bodyPr/>
           <a:lstStyle/>
           <a:p>
-            <a:fld id="{4E645773-E2A4-4F4A-AFAD-A21FC24D2A5E}" type="datetime1">
+            <a:fld id="{783B4C1E-BA22-784F-B8A6-28E58515E26D}" type="datetime1">
               <a:rPr lang="en-US" smtClean="0"/>
-              <a:t>2/26/17</a:t>
+              <a:t>3/4/17</a:t>
             </a:fld>
             <a:endParaRPr lang="en-US"/>
           </a:p>
@@ -3767,9 +3853,10 @@
           <a:lstStyle/>
           <a:p>
             <a:r>
-              <a:rPr lang="en-US"/>
-              <a:t>© 2017 EV3Lessons.com, Last Edit 2/25/2017</a:t>
-            </a:r>
+              <a:rPr lang="sk-SK" smtClean="0"/>
+              <a:t>© 2017 EV3Lessons.com, Last Edit 3/04/2017</a:t>
+            </a:r>
+            <a:endParaRPr lang="en-US"/>
           </a:p>
         </p:txBody>
       </p:sp>
@@ -3912,9 +3999,9 @@
           <a:bodyPr/>
           <a:lstStyle/>
           <a:p>
-            <a:fld id="{06D04EAC-AD57-4A35-B8FD-B7693F3A6C7D}" type="datetime1">
+            <a:fld id="{2382BA0F-20DA-8B45-AF54-9749D3A2B61E}" type="datetime1">
               <a:rPr lang="en-US" smtClean="0"/>
-              <a:t>2/26/17</a:t>
+              <a:t>3/4/17</a:t>
             </a:fld>
             <a:endParaRPr lang="en-US"/>
           </a:p>
@@ -3936,9 +4023,10 @@
           <a:lstStyle/>
           <a:p>
             <a:r>
-              <a:rPr lang="en-US"/>
-              <a:t>© 2017 EV3Lessons.com, Last Edit 2/25/2017</a:t>
-            </a:r>
+              <a:rPr lang="sk-SK" smtClean="0"/>
+              <a:t>© 2017 EV3Lessons.com, Last Edit 3/04/2017</a:t>
+            </a:r>
+            <a:endParaRPr lang="en-US"/>
           </a:p>
         </p:txBody>
       </p:sp>
@@ -4244,9 +4332,9 @@
             </a:lvl1pPr>
           </a:lstStyle>
           <a:p>
-            <a:fld id="{A5124543-3E29-446E-AD0C-17EE33838F71}" type="datetime1">
+            <a:fld id="{6F833541-F305-4E41-BBBB-AB300440CA27}" type="datetime1">
               <a:rPr lang="en-US" smtClean="0"/>
-              <a:t>2/26/17</a:t>
+              <a:t>3/4/17</a:t>
             </a:fld>
             <a:endParaRPr lang="en-US"/>
           </a:p>
@@ -4283,9 +4371,10 @@
           </a:lstStyle>
           <a:p>
             <a:r>
-              <a:rPr lang="en-US"/>
-              <a:t>© 2017 EV3Lessons.com, Last Edit 2/25/2017</a:t>
-            </a:r>
+              <a:rPr lang="sk-SK" smtClean="0"/>
+              <a:t>© 2017 EV3Lessons.com, Last Edit 3/04/2017</a:t>
+            </a:r>
+            <a:endParaRPr lang="en-US"/>
           </a:p>
         </p:txBody>
       </p:sp>
@@ -4715,9 +4804,9 @@
           <a:bodyPr/>
           <a:lstStyle/>
           <a:p>
-            <a:fld id="{C5E4293C-2C9D-4111-A470-0AD20B745222}" type="datetime1">
+            <a:fld id="{CFF70A69-2353-584E-AFF0-F48D207A92DE}" type="datetime1">
               <a:rPr lang="en-US" smtClean="0"/>
-              <a:t>2/26/17</a:t>
+              <a:t>3/4/17</a:t>
             </a:fld>
             <a:endParaRPr lang="en-US"/>
           </a:p>
@@ -4739,9 +4828,10 @@
           <a:lstStyle/>
           <a:p>
             <a:r>
-              <a:rPr lang="en-US"/>
-              <a:t>© 2017 EV3Lessons.com, Last Edit 2/25/2017</a:t>
-            </a:r>
+              <a:rPr lang="sk-SK" smtClean="0"/>
+              <a:t>© 2017 EV3Lessons.com, Last Edit 3/04/2017</a:t>
+            </a:r>
+            <a:endParaRPr lang="en-US"/>
           </a:p>
         </p:txBody>
       </p:sp>
@@ -5125,9 +5215,9 @@
           <a:bodyPr/>
           <a:lstStyle/>
           <a:p>
-            <a:fld id="{97840618-60B9-414D-B130-39B7F869421D}" type="datetime1">
+            <a:fld id="{576C533A-4016-7640-945B-B24EC33A94B5}" type="datetime1">
               <a:rPr lang="en-US" smtClean="0"/>
-              <a:t>2/26/17</a:t>
+              <a:t>3/4/17</a:t>
             </a:fld>
             <a:endParaRPr lang="en-US"/>
           </a:p>
@@ -5149,9 +5239,10 @@
           <a:lstStyle/>
           <a:p>
             <a:r>
-              <a:rPr lang="en-US"/>
-              <a:t>© 2017 EV3Lessons.com, Last Edit 2/25/2017</a:t>
-            </a:r>
+              <a:rPr lang="sk-SK" smtClean="0"/>
+              <a:t>© 2017 EV3Lessons.com, Last Edit 3/04/2017</a:t>
+            </a:r>
+            <a:endParaRPr lang="en-US"/>
           </a:p>
         </p:txBody>
       </p:sp>
@@ -5252,9 +5343,9 @@
             </a:lvl1pPr>
           </a:lstStyle>
           <a:p>
-            <a:fld id="{B3657C24-FE8C-4232-BBEB-F9A8246237E8}" type="datetime1">
+            <a:fld id="{C1D58022-CF32-EA41-A867-0EF9DE3773EB}" type="datetime1">
               <a:rPr lang="en-US" smtClean="0"/>
-              <a:t>2/26/17</a:t>
+              <a:t>3/4/17</a:t>
             </a:fld>
             <a:endParaRPr lang="en-US"/>
           </a:p>
@@ -5286,9 +5377,10 @@
           </a:lstStyle>
           <a:p>
             <a:r>
-              <a:rPr lang="en-US"/>
-              <a:t>© 2017 EV3Lessons.com, Last Edit 2/25/2017</a:t>
-            </a:r>
+              <a:rPr lang="sk-SK" smtClean="0"/>
+              <a:t>© 2017 EV3Lessons.com, Last Edit 3/04/2017</a:t>
+            </a:r>
+            <a:endParaRPr lang="en-US"/>
           </a:p>
         </p:txBody>
       </p:sp>
@@ -5378,9 +5470,9 @@
           <a:bodyPr/>
           <a:lstStyle/>
           <a:p>
-            <a:fld id="{78A73CF5-7F9A-4EE8-83E7-C427333746EF}" type="datetime1">
+            <a:fld id="{DB14B2F2-DF4E-0D4D-8F7C-49544C543B26}" type="datetime1">
               <a:rPr lang="en-US" smtClean="0"/>
-              <a:t>2/26/17</a:t>
+              <a:t>3/4/17</a:t>
             </a:fld>
             <a:endParaRPr lang="en-US"/>
           </a:p>
@@ -5402,9 +5494,10 @@
           <a:lstStyle/>
           <a:p>
             <a:r>
-              <a:rPr lang="en-US"/>
-              <a:t>© 2017 EV3Lessons.com, Last Edit 2/25/2017</a:t>
-            </a:r>
+              <a:rPr lang="sk-SK" smtClean="0"/>
+              <a:t>© 2017 EV3Lessons.com, Last Edit 3/04/2017</a:t>
+            </a:r>
+            <a:endParaRPr lang="en-US"/>
           </a:p>
         </p:txBody>
       </p:sp>
@@ -5900,9 +5993,9 @@
           <a:bodyPr/>
           <a:lstStyle/>
           <a:p>
-            <a:fld id="{D72FB7C8-66AB-4922-92E5-28D9C5B6E174}" type="datetime1">
+            <a:fld id="{AADB764C-ED31-5348-A2AD-1D56CDD3323C}" type="datetime1">
               <a:rPr lang="en-US" smtClean="0"/>
-              <a:t>2/26/17</a:t>
+              <a:t>3/4/17</a:t>
             </a:fld>
             <a:endParaRPr lang="en-US"/>
           </a:p>
@@ -5924,9 +6017,10 @@
           <a:lstStyle/>
           <a:p>
             <a:r>
-              <a:rPr lang="en-US"/>
-              <a:t>© 2017 EV3Lessons.com, Last Edit 2/25/2017</a:t>
-            </a:r>
+              <a:rPr lang="sk-SK" smtClean="0"/>
+              <a:t>© 2017 EV3Lessons.com, Last Edit 3/04/2017</a:t>
+            </a:r>
+            <a:endParaRPr lang="en-US"/>
           </a:p>
         </p:txBody>
       </p:sp>
@@ -6408,9 +6502,9 @@
           <a:bodyPr/>
           <a:lstStyle/>
           <a:p>
-            <a:fld id="{33FFD34A-9DAE-41C9-98F5-B32164B8796A}" type="datetime1">
+            <a:fld id="{51A35EEC-3F38-734C-8984-7C73F2420950}" type="datetime1">
               <a:rPr lang="en-US" smtClean="0"/>
-              <a:t>2/26/17</a:t>
+              <a:t>3/4/17</a:t>
             </a:fld>
             <a:endParaRPr lang="en-US"/>
           </a:p>
@@ -6763,9 +6857,9 @@
             </a:lvl1pPr>
           </a:lstStyle>
           <a:p>
-            <a:fld id="{8F3E331C-C4A3-46FC-823F-2CB7E7EC844A}" type="datetime1">
+            <a:fld id="{68DDC370-C4BF-E045-B083-D70BC0DEB9B0}" type="datetime1">
               <a:rPr lang="en-US" smtClean="0"/>
-              <a:t>2/26/17</a:t>
+              <a:t>3/4/17</a:t>
             </a:fld>
             <a:endParaRPr lang="en-US"/>
           </a:p>
@@ -6805,9 +6899,10 @@
           </a:lstStyle>
           <a:p>
             <a:r>
-              <a:rPr lang="en-US"/>
-              <a:t>© 2017 EV3Lessons.com, Last Edit 2/25/2017</a:t>
-            </a:r>
+              <a:rPr lang="sk-SK" smtClean="0"/>
+              <a:t>© 2017 EV3Lessons.com, Last Edit 3/04/2017</a:t>
+            </a:r>
+            <a:endParaRPr lang="en-US"/>
           </a:p>
         </p:txBody>
       </p:sp>
@@ -7390,9 +7485,10 @@
           <a:lstStyle/>
           <a:p>
             <a:r>
-              <a:rPr lang="en-US"/>
-              <a:t>© 2017 EV3Lessons.com, Last Edit 2/25/2017</a:t>
-            </a:r>
+              <a:rPr lang="sk-SK" smtClean="0"/>
+              <a:t>© 2017 EV3Lessons.com, Last Edit 3/04/2017</a:t>
+            </a:r>
+            <a:endParaRPr lang="en-US"/>
           </a:p>
         </p:txBody>
       </p:sp>
@@ -7907,8 +8003,8 @@
           <a:lstStyle/>
           <a:p>
             <a:r>
-              <a:rPr lang="sk-SK"/>
-              <a:t>© 2016 EV3Lessons.com, Last Edit 7/04/2016</a:t>
+              <a:rPr lang="sk-SK" smtClean="0"/>
+              <a:t>© 2017 EV3Lessons.com, Last Edit 3/04/2017</a:t>
             </a:r>
             <a:endParaRPr lang="en-US"/>
           </a:p>
@@ -8102,9 +8198,10 @@
           <a:lstStyle/>
           <a:p>
             <a:r>
-              <a:rPr lang="en-US"/>
-              <a:t>© 2017 EV3Lessons.com, Last Edit 2/25/2017</a:t>
-            </a:r>
+              <a:rPr lang="sk-SK" smtClean="0"/>
+              <a:t>© 2017 EV3Lessons.com, Last Edit 3/04/2017</a:t>
+            </a:r>
+            <a:endParaRPr lang="en-US"/>
           </a:p>
         </p:txBody>
       </p:sp>
@@ -8157,7 +8254,7 @@
           <a:effectLst/>
           <a:extLst>
             <a:ext uri="{91240B29-F687-4f45-9708-019B960494DF}">
-              <a14:hiddenLine xmlns="" xmlns:a14="http://schemas.microsoft.com/office/drawing/2010/main" w="9525">
+              <a14:hiddenLine xmlns:a14="http://schemas.microsoft.com/office/drawing/2010/main" xmlns="" w="9525">
                 <a:solidFill>
                   <a:schemeClr val="tx1"/>
                 </a:solidFill>
@@ -8167,7 +8264,7 @@
               </a14:hiddenLine>
             </a:ext>
             <a:ext uri="{AF507438-7753-43e0-B8FC-AC1667EBCBE1}">
-              <a14:hiddenEffects xmlns="" xmlns:a14="http://schemas.microsoft.com/office/drawing/2010/main">
+              <a14:hiddenEffects xmlns:a14="http://schemas.microsoft.com/office/drawing/2010/main" xmlns="">
                 <a:effectLst>
                   <a:outerShdw dist="35921" dir="2700000" algn="ctr" rotWithShape="0">
                     <a:schemeClr val="bg2"/>
@@ -8520,7 +8617,7 @@
           <a:noFill/>
           <a:extLst>
             <a:ext uri="{909E8E84-426E-40dd-AFC4-6F175D3DCCD1}">
-              <a14:hiddenFill xmlns="" xmlns:a14="http://schemas.microsoft.com/office/drawing/2010/main">
+              <a14:hiddenFill xmlns:a14="http://schemas.microsoft.com/office/drawing/2010/main" xmlns="">
                 <a:solidFill>
                   <a:srgbClr val="FFFFFF"/>
                 </a:solidFill>
@@ -8943,9 +9040,10 @@
           <a:lstStyle/>
           <a:p>
             <a:r>
-              <a:rPr lang="en-US"/>
-              <a:t>© 2017 EV3Lessons.com, Last Edit 2/25/2017</a:t>
-            </a:r>
+              <a:rPr lang="sk-SK" smtClean="0"/>
+              <a:t>© 2017 EV3Lessons.com, Last Edit 3/04/2017</a:t>
+            </a:r>
+            <a:endParaRPr lang="en-US"/>
           </a:p>
         </p:txBody>
       </p:sp>
@@ -9123,9 +9221,10 @@
           <a:lstStyle/>
           <a:p>
             <a:r>
-              <a:rPr lang="en-US"/>
-              <a:t>© 2017 EV3Lessons.com, Last Edit 2/25/2017</a:t>
-            </a:r>
+              <a:rPr lang="sk-SK" smtClean="0"/>
+              <a:t>© 2017 EV3Lessons.com, Last Edit 3/04/2017</a:t>
+            </a:r>
+            <a:endParaRPr lang="en-US"/>
           </a:p>
         </p:txBody>
       </p:sp>
@@ -9297,7 +9396,7 @@
             </a:r>
             <a:r>
               <a:rPr lang="en-US" sz="1800" dirty="0">
-                <a:hlinkClick r:id="rId2"/>
+                <a:hlinkClick r:id="rId3"/>
               </a:rPr>
               <a:t>https://www.hitechnic.com/colorsensor</a:t>
             </a:r>
@@ -9327,9 +9426,10 @@
           <a:lstStyle/>
           <a:p>
             <a:r>
-              <a:rPr lang="en-US"/>
-              <a:t>© 2017 EV3Lessons.com, Last Edit 2/25/2017</a:t>
-            </a:r>
+              <a:rPr lang="sk-SK" smtClean="0"/>
+              <a:t>© 2017 EV3Lessons.com, Last Edit 3/04/2017</a:t>
+            </a:r>
+            <a:endParaRPr lang="en-US"/>
           </a:p>
         </p:txBody>
       </p:sp>
@@ -9365,7 +9465,7 @@
           <p:nvPr/>
         </p:nvPicPr>
         <p:blipFill>
-          <a:blip r:embed="rId3"/>
+          <a:blip r:embed="rId4"/>
           <a:stretch>
             <a:fillRect/>
           </a:stretch>
@@ -9587,9 +9687,10 @@
           <a:lstStyle/>
           <a:p>
             <a:r>
-              <a:rPr lang="en-US" dirty="0"/>
-              <a:t>© 2017 EV3Lessons.com, Last Edit 2/25/2017</a:t>
-            </a:r>
+              <a:rPr lang="sk-SK" smtClean="0"/>
+              <a:t>© 2017 EV3Lessons.com, Last Edit 3/04/2017</a:t>
+            </a:r>
+            <a:endParaRPr lang="en-US" dirty="0"/>
           </a:p>
         </p:txBody>
       </p:sp>
@@ -10102,7 +10203,15 @@
             <a:pPr lvl="1"/>
             <a:r>
               <a:rPr lang="en-US" dirty="0"/>
-              <a:t>Approximately 4M distance (see image)</a:t>
+              <a:t>Approximately </a:t>
+            </a:r>
+            <a:r>
+              <a:rPr lang="en-US" dirty="0" smtClean="0"/>
+              <a:t>4 LEGO studs </a:t>
+            </a:r>
+            <a:r>
+              <a:rPr lang="en-US" dirty="0"/>
+              <a:t>distance (see image)</a:t>
             </a:r>
           </a:p>
           <a:p>
@@ -10129,9 +10238,10 @@
           <a:lstStyle/>
           <a:p>
             <a:r>
-              <a:rPr lang="en-US"/>
-              <a:t>© 2017 EV3Lessons.com, Last Edit 2/25/2017</a:t>
-            </a:r>
+              <a:rPr lang="sk-SK" smtClean="0"/>
+              <a:t>© 2017 EV3Lessons.com, Last Edit 3/04/2017</a:t>
+            </a:r>
+            <a:endParaRPr lang="en-US"/>
           </a:p>
         </p:txBody>
       </p:sp>
@@ -10272,8 +10382,8 @@
           <a:lstStyle/>
           <a:p>
             <a:r>
-              <a:rPr lang="en-US"/>
-              <a:t>© 2017 EV3Lessons.com, Last Edit 2/25/2017</a:t>
+              <a:rPr lang="sk-SK" smtClean="0"/>
+              <a:t>© 2017 EV3Lessons.com, Last Edit 3/04/2017</a:t>
             </a:r>
             <a:endParaRPr lang="en-US" dirty="0"/>
           </a:p>
@@ -11014,9 +11124,10 @@
           <a:lstStyle/>
           <a:p>
             <a:r>
-              <a:rPr lang="en-US" dirty="0"/>
-              <a:t>© 2017 EV3Lessons.com, Last Edit 2/25/2017</a:t>
-            </a:r>
+              <a:rPr lang="sk-SK" smtClean="0"/>
+              <a:t>© 2017 EV3Lessons.com, Last Edit 3/04/2017</a:t>
+            </a:r>
+            <a:endParaRPr lang="en-US" dirty="0"/>
           </a:p>
         </p:txBody>
       </p:sp>
@@ -11071,91 +11182,91 @@
                 <a:gridCol w="677250">
                   <a:extLst>
                     <a:ext uri="{9D8B030D-6E8A-4147-A177-3AD203B41FA5}">
-                      <a16:colId xmlns:a16="http://schemas.microsoft.com/office/drawing/2014/main" xmlns="" val="1195640874"/>
+                      <a16:colId xmlns="" xmlns:a16="http://schemas.microsoft.com/office/drawing/2014/main" val="1195640874"/>
                     </a:ext>
                   </a:extLst>
                 </a:gridCol>
                 <a:gridCol w="662228">
                   <a:extLst>
                     <a:ext uri="{9D8B030D-6E8A-4147-A177-3AD203B41FA5}">
-                      <a16:colId xmlns:a16="http://schemas.microsoft.com/office/drawing/2014/main" xmlns="" val="1174248995"/>
+                      <a16:colId xmlns="" xmlns:a16="http://schemas.microsoft.com/office/drawing/2014/main" val="1174248995"/>
                     </a:ext>
                   </a:extLst>
                 </a:gridCol>
                 <a:gridCol w="662228">
                   <a:extLst>
                     <a:ext uri="{9D8B030D-6E8A-4147-A177-3AD203B41FA5}">
-                      <a16:colId xmlns:a16="http://schemas.microsoft.com/office/drawing/2014/main" xmlns="" val="2100959187"/>
+                      <a16:colId xmlns="" xmlns:a16="http://schemas.microsoft.com/office/drawing/2014/main" val="2100959187"/>
                     </a:ext>
                   </a:extLst>
                 </a:gridCol>
                 <a:gridCol w="606508">
                   <a:extLst>
                     <a:ext uri="{9D8B030D-6E8A-4147-A177-3AD203B41FA5}">
-                      <a16:colId xmlns:a16="http://schemas.microsoft.com/office/drawing/2014/main" xmlns="" val="3661546076"/>
+                      <a16:colId xmlns="" xmlns:a16="http://schemas.microsoft.com/office/drawing/2014/main" val="3661546076"/>
                     </a:ext>
                   </a:extLst>
                 </a:gridCol>
                 <a:gridCol w="618424">
                   <a:extLst>
                     <a:ext uri="{9D8B030D-6E8A-4147-A177-3AD203B41FA5}">
-                      <a16:colId xmlns:a16="http://schemas.microsoft.com/office/drawing/2014/main" xmlns="" val="3778477250"/>
+                      <a16:colId xmlns="" xmlns:a16="http://schemas.microsoft.com/office/drawing/2014/main" val="3778477250"/>
                     </a:ext>
                   </a:extLst>
                 </a:gridCol>
                 <a:gridCol w="715993">
                   <a:extLst>
                     <a:ext uri="{9D8B030D-6E8A-4147-A177-3AD203B41FA5}">
-                      <a16:colId xmlns:a16="http://schemas.microsoft.com/office/drawing/2014/main" xmlns="" val="2727106529"/>
+                      <a16:colId xmlns="" xmlns:a16="http://schemas.microsoft.com/office/drawing/2014/main" val="2727106529"/>
                     </a:ext>
                   </a:extLst>
                 </a:gridCol>
                 <a:gridCol w="688703">
                   <a:extLst>
                     <a:ext uri="{9D8B030D-6E8A-4147-A177-3AD203B41FA5}">
-                      <a16:colId xmlns:a16="http://schemas.microsoft.com/office/drawing/2014/main" xmlns="" val="3907240979"/>
+                      <a16:colId xmlns="" xmlns:a16="http://schemas.microsoft.com/office/drawing/2014/main" val="3907240979"/>
                     </a:ext>
                   </a:extLst>
                 </a:gridCol>
                 <a:gridCol w="670560">
                   <a:extLst>
                     <a:ext uri="{9D8B030D-6E8A-4147-A177-3AD203B41FA5}">
-                      <a16:colId xmlns:a16="http://schemas.microsoft.com/office/drawing/2014/main" xmlns="" val="41715716"/>
+                      <a16:colId xmlns="" xmlns:a16="http://schemas.microsoft.com/office/drawing/2014/main" val="41715716"/>
                     </a:ext>
                   </a:extLst>
                 </a:gridCol>
                 <a:gridCol w="670560">
                   <a:extLst>
                     <a:ext uri="{9D8B030D-6E8A-4147-A177-3AD203B41FA5}">
-                      <a16:colId xmlns:a16="http://schemas.microsoft.com/office/drawing/2014/main" xmlns="" val="2660224947"/>
+                      <a16:colId xmlns="" xmlns:a16="http://schemas.microsoft.com/office/drawing/2014/main" val="2660224947"/>
                     </a:ext>
                   </a:extLst>
                 </a:gridCol>
                 <a:gridCol w="714103">
                   <a:extLst>
                     <a:ext uri="{9D8B030D-6E8A-4147-A177-3AD203B41FA5}">
-                      <a16:colId xmlns:a16="http://schemas.microsoft.com/office/drawing/2014/main" xmlns="" val="3361466485"/>
+                      <a16:colId xmlns="" xmlns:a16="http://schemas.microsoft.com/office/drawing/2014/main" val="3361466485"/>
                     </a:ext>
                   </a:extLst>
                 </a:gridCol>
                 <a:gridCol w="618309">
                   <a:extLst>
                     <a:ext uri="{9D8B030D-6E8A-4147-A177-3AD203B41FA5}">
-                      <a16:colId xmlns:a16="http://schemas.microsoft.com/office/drawing/2014/main" xmlns="" val="984468234"/>
+                      <a16:colId xmlns="" xmlns:a16="http://schemas.microsoft.com/office/drawing/2014/main" val="984468234"/>
                     </a:ext>
                   </a:extLst>
                 </a:gridCol>
                 <a:gridCol w="722811">
                   <a:extLst>
                     <a:ext uri="{9D8B030D-6E8A-4147-A177-3AD203B41FA5}">
-                      <a16:colId xmlns:a16="http://schemas.microsoft.com/office/drawing/2014/main" xmlns="" val="3990745486"/>
+                      <a16:colId xmlns="" xmlns:a16="http://schemas.microsoft.com/office/drawing/2014/main" val="3990745486"/>
                     </a:ext>
                   </a:extLst>
                 </a:gridCol>
                 <a:gridCol w="653144">
                   <a:extLst>
                     <a:ext uri="{9D8B030D-6E8A-4147-A177-3AD203B41FA5}">
-                      <a16:colId xmlns:a16="http://schemas.microsoft.com/office/drawing/2014/main" xmlns="" val="4029988987"/>
+                      <a16:colId xmlns="" xmlns:a16="http://schemas.microsoft.com/office/drawing/2014/main" val="4029988987"/>
                     </a:ext>
                   </a:extLst>
                 </a:gridCol>
@@ -11321,7 +11432,7 @@
                 </a:tc>
                 <a:extLst>
                   <a:ext uri="{0D108BD9-81ED-4DB2-BD59-A6C34878D82A}">
-                    <a16:rowId xmlns:a16="http://schemas.microsoft.com/office/drawing/2014/main" xmlns="" val="3054627294"/>
+                    <a16:rowId xmlns="" xmlns:a16="http://schemas.microsoft.com/office/drawing/2014/main" val="3054627294"/>
                   </a:ext>
                 </a:extLst>
               </a:tr>
@@ -11527,7 +11638,7 @@
                 </a:tc>
                 <a:extLst>
                   <a:ext uri="{0D108BD9-81ED-4DB2-BD59-A6C34878D82A}">
-                    <a16:rowId xmlns:a16="http://schemas.microsoft.com/office/drawing/2014/main" xmlns="" val="330425122"/>
+                    <a16:rowId xmlns="" xmlns:a16="http://schemas.microsoft.com/office/drawing/2014/main" val="330425122"/>
                   </a:ext>
                 </a:extLst>
               </a:tr>
@@ -11713,7 +11824,7 @@
                 </a:tc>
                 <a:extLst>
                   <a:ext uri="{0D108BD9-81ED-4DB2-BD59-A6C34878D82A}">
-                    <a16:rowId xmlns:a16="http://schemas.microsoft.com/office/drawing/2014/main" xmlns="" val="3150339674"/>
+                    <a16:rowId xmlns="" xmlns:a16="http://schemas.microsoft.com/office/drawing/2014/main" val="3150339674"/>
                   </a:ext>
                 </a:extLst>
               </a:tr>
@@ -11899,7 +12010,7 @@
                 </a:tc>
                 <a:extLst>
                   <a:ext uri="{0D108BD9-81ED-4DB2-BD59-A6C34878D82A}">
-                    <a16:rowId xmlns:a16="http://schemas.microsoft.com/office/drawing/2014/main" xmlns="" val="294082209"/>
+                    <a16:rowId xmlns="" xmlns:a16="http://schemas.microsoft.com/office/drawing/2014/main" val="294082209"/>
                   </a:ext>
                 </a:extLst>
               </a:tr>
@@ -12085,7 +12196,7 @@
                 </a:tc>
                 <a:extLst>
                   <a:ext uri="{0D108BD9-81ED-4DB2-BD59-A6C34878D82A}">
-                    <a16:rowId xmlns:a16="http://schemas.microsoft.com/office/drawing/2014/main" xmlns="" val="2911293164"/>
+                    <a16:rowId xmlns="" xmlns:a16="http://schemas.microsoft.com/office/drawing/2014/main" val="2911293164"/>
                   </a:ext>
                 </a:extLst>
               </a:tr>
@@ -12271,7 +12382,7 @@
                 </a:tc>
                 <a:extLst>
                   <a:ext uri="{0D108BD9-81ED-4DB2-BD59-A6C34878D82A}">
-                    <a16:rowId xmlns:a16="http://schemas.microsoft.com/office/drawing/2014/main" xmlns="" val="2071312800"/>
+                    <a16:rowId xmlns="" xmlns:a16="http://schemas.microsoft.com/office/drawing/2014/main" val="2071312800"/>
                   </a:ext>
                 </a:extLst>
               </a:tr>
@@ -12457,7 +12568,7 @@
                 </a:tc>
                 <a:extLst>
                   <a:ext uri="{0D108BD9-81ED-4DB2-BD59-A6C34878D82A}">
-                    <a16:rowId xmlns:a16="http://schemas.microsoft.com/office/drawing/2014/main" xmlns="" val="1239686371"/>
+                    <a16:rowId xmlns="" xmlns:a16="http://schemas.microsoft.com/office/drawing/2014/main" val="1239686371"/>
                   </a:ext>
                 </a:extLst>
               </a:tr>
@@ -12643,7 +12754,7 @@
                 </a:tc>
                 <a:extLst>
                   <a:ext uri="{0D108BD9-81ED-4DB2-BD59-A6C34878D82A}">
-                    <a16:rowId xmlns:a16="http://schemas.microsoft.com/office/drawing/2014/main" xmlns="" val="938593460"/>
+                    <a16:rowId xmlns="" xmlns:a16="http://schemas.microsoft.com/office/drawing/2014/main" val="938593460"/>
                   </a:ext>
                 </a:extLst>
               </a:tr>
@@ -12829,7 +12940,7 @@
                 </a:tc>
                 <a:extLst>
                   <a:ext uri="{0D108BD9-81ED-4DB2-BD59-A6C34878D82A}">
-                    <a16:rowId xmlns:a16="http://schemas.microsoft.com/office/drawing/2014/main" xmlns="" val="3494003650"/>
+                    <a16:rowId xmlns="" xmlns:a16="http://schemas.microsoft.com/office/drawing/2014/main" val="3494003650"/>
                   </a:ext>
                 </a:extLst>
               </a:tr>
@@ -12964,9 +13075,10 @@
           <a:lstStyle/>
           <a:p>
             <a:r>
-              <a:rPr lang="en-US" dirty="0"/>
-              <a:t>© 2017 EV3Lessons.com, Last Edit 2/25/2017</a:t>
-            </a:r>
+              <a:rPr lang="sk-SK" smtClean="0"/>
+              <a:t>© 2017 EV3Lessons.com, Last Edit 3/04/2017</a:t>
+            </a:r>
+            <a:endParaRPr lang="en-US" dirty="0"/>
           </a:p>
         </p:txBody>
       </p:sp>
@@ -13021,91 +13133,91 @@
                 <a:gridCol w="677250">
                   <a:extLst>
                     <a:ext uri="{9D8B030D-6E8A-4147-A177-3AD203B41FA5}">
-                      <a16:colId xmlns:a16="http://schemas.microsoft.com/office/drawing/2014/main" xmlns="" val="1195640874"/>
+                      <a16:colId xmlns="" xmlns:a16="http://schemas.microsoft.com/office/drawing/2014/main" val="1195640874"/>
                     </a:ext>
                   </a:extLst>
                 </a:gridCol>
                 <a:gridCol w="694044">
                   <a:extLst>
                     <a:ext uri="{9D8B030D-6E8A-4147-A177-3AD203B41FA5}">
-                      <a16:colId xmlns:a16="http://schemas.microsoft.com/office/drawing/2014/main" xmlns="" val="1174248995"/>
+                      <a16:colId xmlns="" xmlns:a16="http://schemas.microsoft.com/office/drawing/2014/main" val="1174248995"/>
                     </a:ext>
                   </a:extLst>
                 </a:gridCol>
                 <a:gridCol w="662228">
                   <a:extLst>
                     <a:ext uri="{9D8B030D-6E8A-4147-A177-3AD203B41FA5}">
-                      <a16:colId xmlns:a16="http://schemas.microsoft.com/office/drawing/2014/main" xmlns="" val="2100959187"/>
+                      <a16:colId xmlns="" xmlns:a16="http://schemas.microsoft.com/office/drawing/2014/main" val="2100959187"/>
                     </a:ext>
                   </a:extLst>
                 </a:gridCol>
                 <a:gridCol w="606508">
                   <a:extLst>
                     <a:ext uri="{9D8B030D-6E8A-4147-A177-3AD203B41FA5}">
-                      <a16:colId xmlns:a16="http://schemas.microsoft.com/office/drawing/2014/main" xmlns="" val="3661546076"/>
+                      <a16:colId xmlns="" xmlns:a16="http://schemas.microsoft.com/office/drawing/2014/main" val="3661546076"/>
                     </a:ext>
                   </a:extLst>
                 </a:gridCol>
                 <a:gridCol w="618424">
                   <a:extLst>
                     <a:ext uri="{9D8B030D-6E8A-4147-A177-3AD203B41FA5}">
-                      <a16:colId xmlns:a16="http://schemas.microsoft.com/office/drawing/2014/main" xmlns="" val="3778477250"/>
+                      <a16:colId xmlns="" xmlns:a16="http://schemas.microsoft.com/office/drawing/2014/main" val="3778477250"/>
                     </a:ext>
                   </a:extLst>
                 </a:gridCol>
                 <a:gridCol w="715993">
                   <a:extLst>
                     <a:ext uri="{9D8B030D-6E8A-4147-A177-3AD203B41FA5}">
-                      <a16:colId xmlns:a16="http://schemas.microsoft.com/office/drawing/2014/main" xmlns="" val="2727106529"/>
+                      <a16:colId xmlns="" xmlns:a16="http://schemas.microsoft.com/office/drawing/2014/main" val="2727106529"/>
                     </a:ext>
                   </a:extLst>
                 </a:gridCol>
                 <a:gridCol w="609600">
                   <a:extLst>
                     <a:ext uri="{9D8B030D-6E8A-4147-A177-3AD203B41FA5}">
-                      <a16:colId xmlns:a16="http://schemas.microsoft.com/office/drawing/2014/main" xmlns="" val="3907240979"/>
+                      <a16:colId xmlns="" xmlns:a16="http://schemas.microsoft.com/office/drawing/2014/main" val="3907240979"/>
                     </a:ext>
                   </a:extLst>
                 </a:gridCol>
                 <a:gridCol w="670560">
                   <a:extLst>
                     <a:ext uri="{9D8B030D-6E8A-4147-A177-3AD203B41FA5}">
-                      <a16:colId xmlns:a16="http://schemas.microsoft.com/office/drawing/2014/main" xmlns="" val="41715716"/>
+                      <a16:colId xmlns="" xmlns:a16="http://schemas.microsoft.com/office/drawing/2014/main" val="41715716"/>
                     </a:ext>
                   </a:extLst>
                 </a:gridCol>
                 <a:gridCol w="670560">
                   <a:extLst>
                     <a:ext uri="{9D8B030D-6E8A-4147-A177-3AD203B41FA5}">
-                      <a16:colId xmlns:a16="http://schemas.microsoft.com/office/drawing/2014/main" xmlns="" val="2660224947"/>
+                      <a16:colId xmlns="" xmlns:a16="http://schemas.microsoft.com/office/drawing/2014/main" val="2660224947"/>
                     </a:ext>
                   </a:extLst>
                 </a:gridCol>
                 <a:gridCol w="714103">
                   <a:extLst>
                     <a:ext uri="{9D8B030D-6E8A-4147-A177-3AD203B41FA5}">
-                      <a16:colId xmlns:a16="http://schemas.microsoft.com/office/drawing/2014/main" xmlns="" val="3361466485"/>
+                      <a16:colId xmlns="" xmlns:a16="http://schemas.microsoft.com/office/drawing/2014/main" val="3361466485"/>
                     </a:ext>
                   </a:extLst>
                 </a:gridCol>
                 <a:gridCol w="618309">
                   <a:extLst>
                     <a:ext uri="{9D8B030D-6E8A-4147-A177-3AD203B41FA5}">
-                      <a16:colId xmlns:a16="http://schemas.microsoft.com/office/drawing/2014/main" xmlns="" val="984468234"/>
+                      <a16:colId xmlns="" xmlns:a16="http://schemas.microsoft.com/office/drawing/2014/main" val="984468234"/>
                     </a:ext>
                   </a:extLst>
                 </a:gridCol>
                 <a:gridCol w="722811">
                   <a:extLst>
                     <a:ext uri="{9D8B030D-6E8A-4147-A177-3AD203B41FA5}">
-                      <a16:colId xmlns:a16="http://schemas.microsoft.com/office/drawing/2014/main" xmlns="" val="3990745486"/>
+                      <a16:colId xmlns="" xmlns:a16="http://schemas.microsoft.com/office/drawing/2014/main" val="3990745486"/>
                     </a:ext>
                   </a:extLst>
                 </a:gridCol>
                 <a:gridCol w="653144">
                   <a:extLst>
                     <a:ext uri="{9D8B030D-6E8A-4147-A177-3AD203B41FA5}">
-                      <a16:colId xmlns:a16="http://schemas.microsoft.com/office/drawing/2014/main" xmlns="" val="4029988987"/>
+                      <a16:colId xmlns="" xmlns:a16="http://schemas.microsoft.com/office/drawing/2014/main" val="4029988987"/>
                     </a:ext>
                   </a:extLst>
                 </a:gridCol>
@@ -13271,7 +13383,7 @@
                 </a:tc>
                 <a:extLst>
                   <a:ext uri="{0D108BD9-81ED-4DB2-BD59-A6C34878D82A}">
-                    <a16:rowId xmlns:a16="http://schemas.microsoft.com/office/drawing/2014/main" xmlns="" val="3054627294"/>
+                    <a16:rowId xmlns="" xmlns:a16="http://schemas.microsoft.com/office/drawing/2014/main" val="3054627294"/>
                   </a:ext>
                 </a:extLst>
               </a:tr>
@@ -13477,7 +13589,7 @@
                 </a:tc>
                 <a:extLst>
                   <a:ext uri="{0D108BD9-81ED-4DB2-BD59-A6C34878D82A}">
-                    <a16:rowId xmlns:a16="http://schemas.microsoft.com/office/drawing/2014/main" xmlns="" val="330425122"/>
+                    <a16:rowId xmlns="" xmlns:a16="http://schemas.microsoft.com/office/drawing/2014/main" val="330425122"/>
                   </a:ext>
                 </a:extLst>
               </a:tr>
@@ -13663,7 +13775,7 @@
                 </a:tc>
                 <a:extLst>
                   <a:ext uri="{0D108BD9-81ED-4DB2-BD59-A6C34878D82A}">
-                    <a16:rowId xmlns:a16="http://schemas.microsoft.com/office/drawing/2014/main" xmlns="" val="3150339674"/>
+                    <a16:rowId xmlns="" xmlns:a16="http://schemas.microsoft.com/office/drawing/2014/main" val="3150339674"/>
                   </a:ext>
                 </a:extLst>
               </a:tr>
@@ -13849,7 +13961,7 @@
                 </a:tc>
                 <a:extLst>
                   <a:ext uri="{0D108BD9-81ED-4DB2-BD59-A6C34878D82A}">
-                    <a16:rowId xmlns:a16="http://schemas.microsoft.com/office/drawing/2014/main" xmlns="" val="294082209"/>
+                    <a16:rowId xmlns="" xmlns:a16="http://schemas.microsoft.com/office/drawing/2014/main" val="294082209"/>
                   </a:ext>
                 </a:extLst>
               </a:tr>
@@ -14035,7 +14147,7 @@
                 </a:tc>
                 <a:extLst>
                   <a:ext uri="{0D108BD9-81ED-4DB2-BD59-A6C34878D82A}">
-                    <a16:rowId xmlns:a16="http://schemas.microsoft.com/office/drawing/2014/main" xmlns="" val="2911293164"/>
+                    <a16:rowId xmlns="" xmlns:a16="http://schemas.microsoft.com/office/drawing/2014/main" val="2911293164"/>
                   </a:ext>
                 </a:extLst>
               </a:tr>
@@ -14221,7 +14333,7 @@
                 </a:tc>
                 <a:extLst>
                   <a:ext uri="{0D108BD9-81ED-4DB2-BD59-A6C34878D82A}">
-                    <a16:rowId xmlns:a16="http://schemas.microsoft.com/office/drawing/2014/main" xmlns="" val="2071312800"/>
+                    <a16:rowId xmlns="" xmlns:a16="http://schemas.microsoft.com/office/drawing/2014/main" val="2071312800"/>
                   </a:ext>
                 </a:extLst>
               </a:tr>
@@ -14407,7 +14519,7 @@
                 </a:tc>
                 <a:extLst>
                   <a:ext uri="{0D108BD9-81ED-4DB2-BD59-A6C34878D82A}">
-                    <a16:rowId xmlns:a16="http://schemas.microsoft.com/office/drawing/2014/main" xmlns="" val="1239686371"/>
+                    <a16:rowId xmlns="" xmlns:a16="http://schemas.microsoft.com/office/drawing/2014/main" val="1239686371"/>
                   </a:ext>
                 </a:extLst>
               </a:tr>
@@ -14593,7 +14705,7 @@
                 </a:tc>
                 <a:extLst>
                   <a:ext uri="{0D108BD9-81ED-4DB2-BD59-A6C34878D82A}">
-                    <a16:rowId xmlns:a16="http://schemas.microsoft.com/office/drawing/2014/main" xmlns="" val="938593460"/>
+                    <a16:rowId xmlns="" xmlns:a16="http://schemas.microsoft.com/office/drawing/2014/main" val="938593460"/>
                   </a:ext>
                 </a:extLst>
               </a:tr>
@@ -14779,7 +14891,7 @@
                 </a:tc>
                 <a:extLst>
                   <a:ext uri="{0D108BD9-81ED-4DB2-BD59-A6C34878D82A}">
-                    <a16:rowId xmlns:a16="http://schemas.microsoft.com/office/drawing/2014/main" xmlns="" val="3494003650"/>
+                    <a16:rowId xmlns="" xmlns:a16="http://schemas.microsoft.com/office/drawing/2014/main" val="3494003650"/>
                   </a:ext>
                 </a:extLst>
               </a:tr>
